--- a/Comparative Study on Classic Machine learning Algorithms.pptx
+++ b/Comparative Study on Classic Machine learning Algorithms.pptx
@@ -109,6 +109,11 @@
       </a:defRPr>
     </a:lvl9pPr>
   </p:defaultTextStyle>
+  <p:extLst>
+    <p:ext uri="{EFAFB233-063F-42B5-8137-9DF3F51BA10A}">
+      <p15:sldGuideLst xmlns:p15="http://schemas.microsoft.com/office/powerpoint/2012/main"/>
+    </p:ext>
+  </p:extLst>
 </p:presentation>
 </file>
 
@@ -261,7 +266,7 @@
           <a:p>
             <a:fld id="{961304E8-392D-468B-A24D-409E8F6434C3}" type="datetimeFigureOut">
               <a:rPr lang="en-CA" smtClean="0"/>
-              <a:t>2020-09-04</a:t>
+              <a:t>2020-09-05</a:t>
             </a:fld>
             <a:endParaRPr lang="en-CA"/>
           </a:p>
@@ -461,7 +466,7 @@
           <a:p>
             <a:fld id="{961304E8-392D-468B-A24D-409E8F6434C3}" type="datetimeFigureOut">
               <a:rPr lang="en-CA" smtClean="0"/>
-              <a:t>2020-09-04</a:t>
+              <a:t>2020-09-05</a:t>
             </a:fld>
             <a:endParaRPr lang="en-CA"/>
           </a:p>
@@ -671,7 +676,7 @@
           <a:p>
             <a:fld id="{961304E8-392D-468B-A24D-409E8F6434C3}" type="datetimeFigureOut">
               <a:rPr lang="en-CA" smtClean="0"/>
-              <a:t>2020-09-04</a:t>
+              <a:t>2020-09-05</a:t>
             </a:fld>
             <a:endParaRPr lang="en-CA"/>
           </a:p>
@@ -871,7 +876,7 @@
           <a:p>
             <a:fld id="{961304E8-392D-468B-A24D-409E8F6434C3}" type="datetimeFigureOut">
               <a:rPr lang="en-CA" smtClean="0"/>
-              <a:t>2020-09-04</a:t>
+              <a:t>2020-09-05</a:t>
             </a:fld>
             <a:endParaRPr lang="en-CA"/>
           </a:p>
@@ -1147,7 +1152,7 @@
           <a:p>
             <a:fld id="{961304E8-392D-468B-A24D-409E8F6434C3}" type="datetimeFigureOut">
               <a:rPr lang="en-CA" smtClean="0"/>
-              <a:t>2020-09-04</a:t>
+              <a:t>2020-09-05</a:t>
             </a:fld>
             <a:endParaRPr lang="en-CA"/>
           </a:p>
@@ -1415,7 +1420,7 @@
           <a:p>
             <a:fld id="{961304E8-392D-468B-A24D-409E8F6434C3}" type="datetimeFigureOut">
               <a:rPr lang="en-CA" smtClean="0"/>
-              <a:t>2020-09-04</a:t>
+              <a:t>2020-09-05</a:t>
             </a:fld>
             <a:endParaRPr lang="en-CA"/>
           </a:p>
@@ -1830,7 +1835,7 @@
           <a:p>
             <a:fld id="{961304E8-392D-468B-A24D-409E8F6434C3}" type="datetimeFigureOut">
               <a:rPr lang="en-CA" smtClean="0"/>
-              <a:t>2020-09-04</a:t>
+              <a:t>2020-09-05</a:t>
             </a:fld>
             <a:endParaRPr lang="en-CA"/>
           </a:p>
@@ -1972,7 +1977,7 @@
           <a:p>
             <a:fld id="{961304E8-392D-468B-A24D-409E8F6434C3}" type="datetimeFigureOut">
               <a:rPr lang="en-CA" smtClean="0"/>
-              <a:t>2020-09-04</a:t>
+              <a:t>2020-09-05</a:t>
             </a:fld>
             <a:endParaRPr lang="en-CA"/>
           </a:p>
@@ -2085,7 +2090,7 @@
           <a:p>
             <a:fld id="{961304E8-392D-468B-A24D-409E8F6434C3}" type="datetimeFigureOut">
               <a:rPr lang="en-CA" smtClean="0"/>
-              <a:t>2020-09-04</a:t>
+              <a:t>2020-09-05</a:t>
             </a:fld>
             <a:endParaRPr lang="en-CA"/>
           </a:p>
@@ -2398,7 +2403,7 @@
           <a:p>
             <a:fld id="{961304E8-392D-468B-A24D-409E8F6434C3}" type="datetimeFigureOut">
               <a:rPr lang="en-CA" smtClean="0"/>
-              <a:t>2020-09-04</a:t>
+              <a:t>2020-09-05</a:t>
             </a:fld>
             <a:endParaRPr lang="en-CA"/>
           </a:p>
@@ -2687,7 +2692,7 @@
           <a:p>
             <a:fld id="{961304E8-392D-468B-A24D-409E8F6434C3}" type="datetimeFigureOut">
               <a:rPr lang="en-CA" smtClean="0"/>
-              <a:t>2020-09-04</a:t>
+              <a:t>2020-09-05</a:t>
             </a:fld>
             <a:endParaRPr lang="en-CA"/>
           </a:p>
@@ -2930,7 +2935,7 @@
           <a:p>
             <a:fld id="{961304E8-392D-468B-A24D-409E8F6434C3}" type="datetimeFigureOut">
               <a:rPr lang="en-CA" smtClean="0"/>
-              <a:t>2020-09-04</a:t>
+              <a:t>2020-09-05</a:t>
             </a:fld>
             <a:endParaRPr lang="en-CA"/>
           </a:p>
@@ -3523,11 +3528,12 @@
           <a:lstStyle/>
           <a:p>
             <a:r>
-              <a:rPr lang="en-CA" b="1" i="0" dirty="0">
+              <a:rPr lang="en-CA" sz="1800" b="1" i="0" dirty="0">
                 <a:effectLst/>
-                <a:latin typeface="-apple-system"/>
+                <a:latin typeface="Times New Roman" panose="02020603050405020304" pitchFamily="18" charset="0"/>
+                <a:cs typeface="Times New Roman" panose="02020603050405020304" pitchFamily="18" charset="0"/>
               </a:rPr>
-              <a:t>A. Introduction</a:t>
+              <a:t>Introduction</a:t>
             </a:r>
             <a:br>
               <a:rPr lang="en-CA" b="1" i="0" dirty="0">
@@ -3558,64 +3564,9 @@
         <p:spPr/>
         <p:txBody>
           <a:bodyPr>
-            <a:normAutofit fontScale="92500" lnSpcReduction="20000"/>
+            <a:normAutofit/>
           </a:bodyPr>
           <a:lstStyle/>
-          <a:p>
-            <a:pPr marL="342900" lvl="0" indent="-342900" rtl="0">
-              <a:lnSpc>
-                <a:spcPts val="1575"/>
-              </a:lnSpc>
-              <a:spcAft>
-                <a:spcPts val="750"/>
-              </a:spcAft>
-              <a:tabLst>
-                <a:tab pos="457200" algn="l"/>
-              </a:tabLst>
-            </a:pPr>
-            <a:r>
-              <a:rPr lang="en-CA" sz="1800" dirty="0">
-                <a:solidFill>
-                  <a:srgbClr val="1F1F1F"/>
-                </a:solidFill>
-                <a:effectLst/>
-                <a:latin typeface="Times New Roman" panose="02020603050405020304" pitchFamily="18" charset="0"/>
-                <a:ea typeface="Times New Roman" panose="02020603050405020304" pitchFamily="18" charset="0"/>
-                <a:cs typeface="Arial" panose="020B0604020202020204" pitchFamily="34" charset="0"/>
-              </a:rPr>
-              <a:t>A description of the problem and a discussion of the background. (</a:t>
-            </a:r>
-            <a:r>
-              <a:rPr lang="en-CA" sz="1800" b="1" dirty="0">
-                <a:solidFill>
-                  <a:srgbClr val="1F1F1F"/>
-                </a:solidFill>
-                <a:effectLst/>
-                <a:latin typeface="Times New Roman" panose="02020603050405020304" pitchFamily="18" charset="0"/>
-                <a:ea typeface="Times New Roman" panose="02020603050405020304" pitchFamily="18" charset="0"/>
-                <a:cs typeface="Arial" panose="020B0604020202020204" pitchFamily="34" charset="0"/>
-              </a:rPr>
-              <a:t>15 marks</a:t>
-            </a:r>
-            <a:r>
-              <a:rPr lang="en-CA" sz="1800" dirty="0">
-                <a:solidFill>
-                  <a:srgbClr val="1F1F1F"/>
-                </a:solidFill>
-                <a:effectLst/>
-                <a:latin typeface="Times New Roman" panose="02020603050405020304" pitchFamily="18" charset="0"/>
-                <a:ea typeface="Times New Roman" panose="02020603050405020304" pitchFamily="18" charset="0"/>
-                <a:cs typeface="Arial" panose="020B0604020202020204" pitchFamily="34" charset="0"/>
-              </a:rPr>
-              <a:t>)</a:t>
-            </a:r>
-            <a:endParaRPr lang="en-CA" sz="1800" dirty="0">
-              <a:effectLst/>
-              <a:latin typeface="Calibri" panose="020F0502020204030204" pitchFamily="34" charset="0"/>
-              <a:ea typeface="Calibri" panose="020F0502020204030204" pitchFamily="34" charset="0"/>
-              <a:cs typeface="Arial" panose="020B0604020202020204" pitchFamily="34" charset="0"/>
-            </a:endParaRPr>
-          </a:p>
           <a:p>
             <a:pPr algn="just">
               <a:lnSpc>
@@ -3627,36 +3578,12 @@
             </a:pPr>
             <a:r>
               <a:rPr lang="en-CA" sz="1800" dirty="0">
-                <a:solidFill>
-                  <a:srgbClr val="1F1F1F"/>
-                </a:solidFill>
-                <a:effectLst/>
-                <a:latin typeface="Times New Roman" panose="02020603050405020304" pitchFamily="18" charset="0"/>
-                <a:ea typeface="Times New Roman" panose="02020603050405020304" pitchFamily="18" charset="0"/>
-                <a:cs typeface="Arial" panose="020B0604020202020204" pitchFamily="34" charset="0"/>
-              </a:rPr>
-              <a:t>Collision severity (Accidents)</a:t>
-            </a:r>
-            <a:r>
-              <a:rPr lang="en-CA" sz="1800" dirty="0">
-                <a:solidFill>
-                  <a:srgbClr val="202020"/>
-                </a:solidFill>
-                <a:effectLst/>
-                <a:latin typeface="Times New Roman" panose="02020603050405020304" pitchFamily="18" charset="0"/>
-                <a:ea typeface="Calibri" panose="020F0502020204030204" pitchFamily="34" charset="0"/>
-                <a:cs typeface="Arial" panose="020B0604020202020204" pitchFamily="34" charset="0"/>
-              </a:rPr>
-              <a:t> is under-researched</a:t>
-            </a:r>
-            <a:r>
-              <a:rPr lang="en-CA" sz="1800" dirty="0">
                 <a:effectLst/>
                 <a:latin typeface="Calibri" panose="020F0502020204030204" pitchFamily="34" charset="0"/>
                 <a:ea typeface="Calibri" panose="020F0502020204030204" pitchFamily="34" charset="0"/>
                 <a:cs typeface="Arial" panose="020B0604020202020204" pitchFamily="34" charset="0"/>
               </a:rPr>
-              <a:t> in all over the world, but the probable factors and correlation between these factors and collision severity outcomes is not known. In this study, machine learning based algorithms were employed to predict and classify collision severity.  The main aim of this research is to evaluate and compare different approaches to modeling </a:t>
+              <a:t>The main aim of this research is to evaluate and compare different approaches to modeling </a:t>
             </a:r>
             <a:r>
               <a:rPr lang="en-CA" sz="1800" dirty="0" err="1">
@@ -3674,63 +3601,8 @@
                 <a:ea typeface="Calibri" panose="020F0502020204030204" pitchFamily="34" charset="0"/>
                 <a:cs typeface="Arial" panose="020B0604020202020204" pitchFamily="34" charset="0"/>
               </a:rPr>
-              <a:t> severity. Four machine learning based models were developed: KNN, TREES, LOGISTIC REGRESSION AND SVM. These machine learning algorithms were validated using 10-fold cross-validation technique. The three-machine learning based algorithms were compared with one another. The results of the study reveal that the predictions of machine learning algorithms are similar to each other.</a:t>
-            </a:r>
-          </a:p>
-          <a:p>
-            <a:pPr algn="just">
-              <a:lnSpc>
-                <a:spcPct val="150000"/>
-              </a:lnSpc>
-              <a:spcAft>
-                <a:spcPts val="750"/>
-              </a:spcAft>
-            </a:pPr>
-            <a:r>
-              <a:rPr lang="en-CA" sz="1800" spc="-5" dirty="0">
-                <a:solidFill>
-                  <a:srgbClr val="292929"/>
-                </a:solidFill>
-                <a:effectLst/>
-                <a:latin typeface="Times New Roman" panose="02020603050405020304" pitchFamily="18" charset="0"/>
-                <a:ea typeface="Calibri" panose="020F0502020204030204" pitchFamily="34" charset="0"/>
-                <a:cs typeface="Arial" panose="020B0604020202020204" pitchFamily="34" charset="0"/>
-              </a:rPr>
-              <a:t>I will be doing a comparative study over different machine learning supervised techniques like</a:t>
-            </a:r>
-            <a:r>
-              <a:rPr lang="en-CA" sz="1800" i="1" dirty="0">
-                <a:effectLst/>
-                <a:latin typeface="Times New Roman" panose="02020603050405020304" pitchFamily="18" charset="0"/>
-                <a:ea typeface="Calibri" panose="020F0502020204030204" pitchFamily="34" charset="0"/>
-                <a:cs typeface="Times New Roman" panose="02020603050405020304" pitchFamily="18" charset="0"/>
-              </a:rPr>
-              <a:t>  Logistic Regression, K nearest neighbors and Decision Trees.</a:t>
-            </a:r>
-            <a:r>
-              <a:rPr lang="en-CA" sz="1800" dirty="0">
-                <a:effectLst/>
-                <a:latin typeface="Calibri" panose="020F0502020204030204" pitchFamily="34" charset="0"/>
-                <a:ea typeface="Calibri" panose="020F0502020204030204" pitchFamily="34" charset="0"/>
-                <a:cs typeface="Arial" panose="020B0604020202020204" pitchFamily="34" charset="0"/>
-              </a:rPr>
-              <a:t> I will only focus on their comparative study. I will look into their </a:t>
-            </a:r>
-            <a:r>
-              <a:rPr lang="en-CA" sz="1800" i="1" dirty="0">
-                <a:effectLst/>
-                <a:latin typeface="Times New Roman" panose="02020603050405020304" pitchFamily="18" charset="0"/>
-                <a:ea typeface="Calibri" panose="020F0502020204030204" pitchFamily="34" charset="0"/>
-                <a:cs typeface="Times New Roman" panose="02020603050405020304" pitchFamily="18" charset="0"/>
-              </a:rPr>
-              <a:t>basic logic, advantages, disadvantages, assumptions.</a:t>
-            </a:r>
-            <a:endParaRPr lang="en-CA" sz="1800" dirty="0">
-              <a:effectLst/>
-              <a:latin typeface="Calibri" panose="020F0502020204030204" pitchFamily="34" charset="0"/>
-              <a:ea typeface="Calibri" panose="020F0502020204030204" pitchFamily="34" charset="0"/>
-              <a:cs typeface="Arial" panose="020B0604020202020204" pitchFamily="34" charset="0"/>
-            </a:endParaRPr>
+              <a:t> severity. Four machine learning based models were developed: KNN, TREES, LOGISTIC REGRESSION AND SVM. The results of the study reveal that the predictions of machine learning algorithms are similar to each other.</a:t>
+            </a:r>
           </a:p>
           <a:p>
             <a:endParaRPr lang="en-CA" dirty="0"/>
@@ -3788,6 +3660,14 @@
           <a:bodyPr/>
           <a:lstStyle/>
           <a:p>
+            <a:r>
+              <a:rPr lang="en-CA" sz="1800" b="1" i="0" dirty="0">
+                <a:effectLst/>
+                <a:latin typeface="Times New Roman" panose="02020603050405020304" pitchFamily="18" charset="0"/>
+                <a:cs typeface="Times New Roman" panose="02020603050405020304" pitchFamily="18" charset="0"/>
+              </a:rPr>
+              <a:t>Data set</a:t>
+            </a:r>
             <a:br>
               <a:rPr lang="en-CA" b="1" i="0" dirty="0">
                 <a:effectLst/>
@@ -3818,48 +3698,6 @@
         <p:txBody>
           <a:bodyPr/>
           <a:lstStyle/>
-          <a:p>
-            <a:pPr marL="342900" lvl="0" indent="-342900" rtl="0">
-              <a:lnSpc>
-                <a:spcPts val="1575"/>
-              </a:lnSpc>
-              <a:spcAft>
-                <a:spcPts val="750"/>
-              </a:spcAft>
-              <a:buFont typeface="+mj-lt"/>
-              <a:buAutoNum type="arabicPeriod"/>
-            </a:pPr>
-            <a:r>
-              <a:rPr lang="en-CA" sz="1800" dirty="0">
-                <a:solidFill>
-                  <a:srgbClr val="1F1F1F"/>
-                </a:solidFill>
-                <a:effectLst/>
-                <a:latin typeface="Times New Roman" panose="02020603050405020304" pitchFamily="18" charset="0"/>
-                <a:ea typeface="Times New Roman" panose="02020603050405020304" pitchFamily="18" charset="0"/>
-                <a:cs typeface="Arial" panose="020B0604020202020204" pitchFamily="34" charset="0"/>
-              </a:rPr>
-              <a:t>B    description of the data and how it will be used to solve the problem. (</a:t>
-            </a:r>
-            <a:r>
-              <a:rPr lang="en-CA" sz="1800" b="1" dirty="0">
-                <a:solidFill>
-                  <a:srgbClr val="1F1F1F"/>
-                </a:solidFill>
-                <a:effectLst/>
-                <a:latin typeface="Times New Roman" panose="02020603050405020304" pitchFamily="18" charset="0"/>
-                <a:ea typeface="Times New Roman" panose="02020603050405020304" pitchFamily="18" charset="0"/>
-                <a:cs typeface="Arial" panose="020B0604020202020204" pitchFamily="34" charset="0"/>
-              </a:rPr>
-              <a:t>15 marks)</a:t>
-            </a:r>
-            <a:endParaRPr lang="en-CA" sz="1800" dirty="0">
-              <a:effectLst/>
-              <a:latin typeface="Calibri" panose="020F0502020204030204" pitchFamily="34" charset="0"/>
-              <a:ea typeface="Calibri" panose="020F0502020204030204" pitchFamily="34" charset="0"/>
-              <a:cs typeface="Arial" panose="020B0604020202020204" pitchFamily="34" charset="0"/>
-            </a:endParaRPr>
-          </a:p>
           <a:p>
             <a:pPr>
               <a:lnSpc>
@@ -3987,11 +3825,12 @@
               </a:rPr>
             </a:br>
             <a:r>
-              <a:rPr lang="en-CA" b="1" i="0" dirty="0">
+              <a:rPr lang="en-CA" sz="2000" b="1" i="0" dirty="0">
                 <a:effectLst/>
-                <a:latin typeface="-apple-system"/>
+                <a:latin typeface="Times New Roman" panose="02020603050405020304" pitchFamily="18" charset="0"/>
+                <a:cs typeface="Times New Roman" panose="02020603050405020304" pitchFamily="18" charset="0"/>
               </a:rPr>
-              <a:t>2.Methodology</a:t>
+              <a:t>Methodology</a:t>
             </a:r>
             <a:br>
               <a:rPr lang="en-CA" b="0" i="0" dirty="0">
@@ -4037,119 +3876,7 @@
                 <a:ea typeface="Calibri" panose="020F0502020204030204" pitchFamily="34" charset="0"/>
                 <a:cs typeface="Arial" panose="020B0604020202020204" pitchFamily="34" charset="0"/>
               </a:rPr>
-              <a:t>I have used KNN, TREE, LOGISTIC REGRESSION AND SVM</a:t>
-            </a:r>
-            <a:endParaRPr lang="en-CA" sz="1800" dirty="0">
-              <a:effectLst/>
-              <a:latin typeface="Calibri" panose="020F0502020204030204" pitchFamily="34" charset="0"/>
-              <a:ea typeface="Calibri" panose="020F0502020204030204" pitchFamily="34" charset="0"/>
-              <a:cs typeface="Arial" panose="020B0604020202020204" pitchFamily="34" charset="0"/>
-            </a:endParaRPr>
-          </a:p>
-          <a:p>
-            <a:pPr>
-              <a:lnSpc>
-                <a:spcPts val="1575"/>
-              </a:lnSpc>
-              <a:spcAft>
-                <a:spcPts val="750"/>
-              </a:spcAft>
-            </a:pPr>
-            <a:r>
-              <a:rPr lang="en-CA" sz="1800" spc="-5" dirty="0">
-                <a:solidFill>
-                  <a:srgbClr val="292929"/>
-                </a:solidFill>
-                <a:effectLst/>
-                <a:latin typeface="Times New Roman" panose="02020603050405020304" pitchFamily="18" charset="0"/>
-                <a:ea typeface="Calibri" panose="020F0502020204030204" pitchFamily="34" charset="0"/>
-                <a:cs typeface="Arial" panose="020B0604020202020204" pitchFamily="34" charset="0"/>
-              </a:rPr>
-              <a:t>Just like linear regression, Logistic regression is the right algorithm to start with classification algorithms. Even though, the name ‘Regression’ comes up, it is not a regression model, but a classification model. It uses a logistic function to frame binary output model. The output of the logistic regression will be a probability (0≤x≤1), and can be used to predict the binary 0 or 1 as the output ( if x&lt;0.5, output= 0, else output=1).</a:t>
-            </a:r>
-            <a:endParaRPr lang="en-CA" sz="1800" dirty="0">
-              <a:effectLst/>
-              <a:latin typeface="Calibri" panose="020F0502020204030204" pitchFamily="34" charset="0"/>
-              <a:ea typeface="Calibri" panose="020F0502020204030204" pitchFamily="34" charset="0"/>
-              <a:cs typeface="Arial" panose="020B0604020202020204" pitchFamily="34" charset="0"/>
-            </a:endParaRPr>
-          </a:p>
-          <a:p>
-            <a:pPr>
-              <a:lnSpc>
-                <a:spcPts val="1575"/>
-              </a:lnSpc>
-              <a:spcAft>
-                <a:spcPts val="750"/>
-              </a:spcAft>
-            </a:pPr>
-            <a:r>
-              <a:rPr lang="en-CA" sz="1800" spc="-5" dirty="0">
-                <a:solidFill>
-                  <a:srgbClr val="292929"/>
-                </a:solidFill>
-                <a:effectLst/>
-                <a:latin typeface="Times New Roman" panose="02020603050405020304" pitchFamily="18" charset="0"/>
-                <a:ea typeface="Calibri" panose="020F0502020204030204" pitchFamily="34" charset="0"/>
-                <a:cs typeface="Arial" panose="020B0604020202020204" pitchFamily="34" charset="0"/>
-              </a:rPr>
-              <a:t>K-nearest neighbors is a non-parametric method used for classification and regression. It is one of the easiest ML technique used. It is a lazy learning model, with local approximation.</a:t>
-            </a:r>
-            <a:endParaRPr lang="en-CA" sz="1800" dirty="0">
-              <a:effectLst/>
-              <a:latin typeface="Calibri" panose="020F0502020204030204" pitchFamily="34" charset="0"/>
-              <a:ea typeface="Calibri" panose="020F0502020204030204" pitchFamily="34" charset="0"/>
-              <a:cs typeface="Arial" panose="020B0604020202020204" pitchFamily="34" charset="0"/>
-            </a:endParaRPr>
-          </a:p>
-          <a:p>
-            <a:pPr>
-              <a:lnSpc>
-                <a:spcPts val="1575"/>
-              </a:lnSpc>
-              <a:spcAft>
-                <a:spcPts val="750"/>
-              </a:spcAft>
-            </a:pPr>
-            <a:r>
-              <a:rPr lang="en-CA" sz="1800" spc="-5" dirty="0">
-                <a:solidFill>
-                  <a:srgbClr val="292929"/>
-                </a:solidFill>
-                <a:effectLst/>
-                <a:latin typeface="Times New Roman" panose="02020603050405020304" pitchFamily="18" charset="0"/>
-                <a:ea typeface="Calibri" panose="020F0502020204030204" pitchFamily="34" charset="0"/>
-                <a:cs typeface="Arial" panose="020B0604020202020204" pitchFamily="34" charset="0"/>
-              </a:rPr>
-              <a:t>Decision tree is a tree-based algorithm used to solve regression and classification problems. An inverted tree is framed which is branched off from a homogeneous probability distributed root node, to highly heterogeneous leaf nodes, for deriving the output. Regression trees are used for dependent variable with continuous values and classification trees are used for dependent variable with discrete values.</a:t>
-            </a:r>
-            <a:endParaRPr lang="en-CA" sz="1800" dirty="0">
-              <a:effectLst/>
-              <a:latin typeface="Calibri" panose="020F0502020204030204" pitchFamily="34" charset="0"/>
-              <a:ea typeface="Calibri" panose="020F0502020204030204" pitchFamily="34" charset="0"/>
-              <a:cs typeface="Arial" panose="020B0604020202020204" pitchFamily="34" charset="0"/>
-            </a:endParaRPr>
-          </a:p>
-          <a:p>
-            <a:pPr>
-              <a:lnSpc>
-                <a:spcPts val="1575"/>
-              </a:lnSpc>
-              <a:spcAft>
-                <a:spcPts val="750"/>
-              </a:spcAft>
-            </a:pPr>
-            <a:r>
-              <a:rPr lang="en-CA" sz="1800" dirty="0">
-                <a:solidFill>
-                  <a:srgbClr val="222222"/>
-                </a:solidFill>
-                <a:effectLst/>
-                <a:latin typeface="Times New Roman" panose="02020603050405020304" pitchFamily="18" charset="0"/>
-                <a:ea typeface="Calibri" panose="020F0502020204030204" pitchFamily="34" charset="0"/>
-                <a:cs typeface="Arial" panose="020B0604020202020204" pitchFamily="34" charset="0"/>
-              </a:rPr>
-              <a:t>SVM is a supervised machine learning algorithm which can be used for classification or regression problems. It uses a technique called the kernel trick to transform your data and then based on these transformations it finds an optimal boundary between the possible outputs.</a:t>
+              <a:t>I have used KNN, TREE, LOGISTIC REGRESSION AND SVM algorithms</a:t>
             </a:r>
             <a:endParaRPr lang="en-CA" sz="1800" dirty="0">
               <a:effectLst/>
@@ -4215,11 +3942,12 @@
           <a:lstStyle/>
           <a:p>
             <a:r>
-              <a:rPr lang="en-CA" b="1" i="0" dirty="0">
+              <a:rPr lang="en-CA" sz="1800" b="1" i="0" dirty="0">
                 <a:effectLst/>
-                <a:latin typeface="-apple-system"/>
+                <a:latin typeface="Times New Roman" panose="02020603050405020304" pitchFamily="18" charset="0"/>
+                <a:cs typeface="Times New Roman" panose="02020603050405020304" pitchFamily="18" charset="0"/>
               </a:rPr>
-              <a:t>3.Rusults</a:t>
+              <a:t>Results</a:t>
             </a:r>
             <a:br>
               <a:rPr lang="en-CA" b="1" i="0" dirty="0">
@@ -4262,31 +3990,7 @@
                 <a:ea typeface="Times New Roman" panose="02020603050405020304" pitchFamily="18" charset="0"/>
                 <a:cs typeface="Arial" panose="020B0604020202020204" pitchFamily="34" charset="0"/>
               </a:rPr>
-              <a:t>Accuracy coefficients are similar to each others and are </a:t>
-            </a:r>
-            <a:r>
-              <a:rPr lang="en-CA" sz="1800" dirty="0" err="1">
-                <a:solidFill>
-                  <a:srgbClr val="1F1F1F"/>
-                </a:solidFill>
-                <a:effectLst/>
-                <a:latin typeface="Times New Roman" panose="02020603050405020304" pitchFamily="18" charset="0"/>
-                <a:ea typeface="Times New Roman" panose="02020603050405020304" pitchFamily="18" charset="0"/>
-                <a:cs typeface="Arial" panose="020B0604020202020204" pitchFamily="34" charset="0"/>
-              </a:rPr>
-              <a:t>strong,therefore</a:t>
-            </a:r>
-            <a:r>
-              <a:rPr lang="en-CA" sz="1800" dirty="0">
-                <a:solidFill>
-                  <a:srgbClr val="1F1F1F"/>
-                </a:solidFill>
-                <a:effectLst/>
-                <a:latin typeface="Times New Roman" panose="02020603050405020304" pitchFamily="18" charset="0"/>
-                <a:ea typeface="Times New Roman" panose="02020603050405020304" pitchFamily="18" charset="0"/>
-                <a:cs typeface="Arial" panose="020B0604020202020204" pitchFamily="34" charset="0"/>
-              </a:rPr>
-              <a:t> all of these methods could be used for prediction collision severity.</a:t>
+              <a:t>Accuracy coefficients are similar to each others and are strong, therefore all of these methods could be used for prediction collision severity.</a:t>
             </a:r>
             <a:endParaRPr lang="en-CA" sz="1800" dirty="0">
               <a:effectLst/>
@@ -4300,6 +4004,375 @@
           </a:p>
         </p:txBody>
       </p:sp>
+      <p:graphicFrame>
+        <p:nvGraphicFramePr>
+          <p:cNvPr id="4" name="Table 3">
+            <a:extLst>
+              <a:ext uri="{FF2B5EF4-FFF2-40B4-BE49-F238E27FC236}">
+                <a16:creationId xmlns:a16="http://schemas.microsoft.com/office/drawing/2014/main" id="{CFBCC015-9F9B-4781-BBA2-1E074CC886D4}"/>
+              </a:ext>
+            </a:extLst>
+          </p:cNvPr>
+          <p:cNvGraphicFramePr>
+            <a:graphicFrameLocks noGrp="1"/>
+          </p:cNvGraphicFramePr>
+          <p:nvPr/>
+        </p:nvGraphicFramePr>
+        <p:xfrm>
+          <a:off x="3127375" y="3286759"/>
+          <a:ext cx="5937250" cy="1434785"/>
+        </p:xfrm>
+        <a:graphic>
+          <a:graphicData uri="http://schemas.openxmlformats.org/drawingml/2006/table">
+            <a:tbl>
+              <a:tblPr firstRow="1" firstCol="1" bandRow="1">
+                <a:tableStyleId>{5C22544A-7EE6-4342-B048-85BDC9FD1C3A}</a:tableStyleId>
+              </a:tblPr>
+              <a:tblGrid>
+                <a:gridCol w="2968625">
+                  <a:extLst>
+                    <a:ext uri="{9D8B030D-6E8A-4147-A177-3AD203B41FA5}">
+                      <a16:colId xmlns:a16="http://schemas.microsoft.com/office/drawing/2014/main" val="788999301"/>
+                    </a:ext>
+                  </a:extLst>
+                </a:gridCol>
+                <a:gridCol w="2968625">
+                  <a:extLst>
+                    <a:ext uri="{9D8B030D-6E8A-4147-A177-3AD203B41FA5}">
+                      <a16:colId xmlns:a16="http://schemas.microsoft.com/office/drawing/2014/main" val="164588786"/>
+                    </a:ext>
+                  </a:extLst>
+                </a:gridCol>
+              </a:tblGrid>
+              <a:tr h="0">
+                <a:tc>
+                  <a:txBody>
+                    <a:bodyPr/>
+                    <a:lstStyle/>
+                    <a:p>
+                      <a:pPr algn="just">
+                        <a:lnSpc>
+                          <a:spcPct val="150000"/>
+                        </a:lnSpc>
+                        <a:spcAft>
+                          <a:spcPts val="750"/>
+                        </a:spcAft>
+                      </a:pPr>
+                      <a:r>
+                        <a:rPr lang="en-CA" sz="1400">
+                          <a:effectLst/>
+                        </a:rPr>
+                        <a:t>Method </a:t>
+                      </a:r>
+                      <a:endParaRPr lang="en-CA" sz="1100">
+                        <a:effectLst/>
+                        <a:latin typeface="Calibri" panose="020F0502020204030204" pitchFamily="34" charset="0"/>
+                        <a:ea typeface="Calibri" panose="020F0502020204030204" pitchFamily="34" charset="0"/>
+                        <a:cs typeface="Arial" panose="020B0604020202020204" pitchFamily="34" charset="0"/>
+                      </a:endParaRPr>
+                    </a:p>
+                  </a:txBody>
+                  <a:tcPr marL="68580" marR="68580" marT="0" marB="0"/>
+                </a:tc>
+                <a:tc>
+                  <a:txBody>
+                    <a:bodyPr/>
+                    <a:lstStyle/>
+                    <a:p>
+                      <a:pPr algn="just">
+                        <a:lnSpc>
+                          <a:spcPct val="150000"/>
+                        </a:lnSpc>
+                        <a:spcAft>
+                          <a:spcPts val="750"/>
+                        </a:spcAft>
+                      </a:pPr>
+                      <a:r>
+                        <a:rPr lang="en-CA" sz="1400">
+                          <a:effectLst/>
+                        </a:rPr>
+                        <a:t>ACCURACY</a:t>
+                      </a:r>
+                      <a:endParaRPr lang="en-CA" sz="1100">
+                        <a:effectLst/>
+                        <a:latin typeface="Calibri" panose="020F0502020204030204" pitchFamily="34" charset="0"/>
+                        <a:ea typeface="Calibri" panose="020F0502020204030204" pitchFamily="34" charset="0"/>
+                        <a:cs typeface="Arial" panose="020B0604020202020204" pitchFamily="34" charset="0"/>
+                      </a:endParaRPr>
+                    </a:p>
+                  </a:txBody>
+                  <a:tcPr marL="68580" marR="68580" marT="0" marB="0"/>
+                </a:tc>
+                <a:extLst>
+                  <a:ext uri="{0D108BD9-81ED-4DB2-BD59-A6C34878D82A}">
+                    <a16:rowId xmlns:a16="http://schemas.microsoft.com/office/drawing/2014/main" val="1297550722"/>
+                  </a:ext>
+                </a:extLst>
+              </a:tr>
+              <a:tr h="0">
+                <a:tc>
+                  <a:txBody>
+                    <a:bodyPr/>
+                    <a:lstStyle/>
+                    <a:p>
+                      <a:pPr algn="just">
+                        <a:lnSpc>
+                          <a:spcPct val="150000"/>
+                        </a:lnSpc>
+                        <a:spcAft>
+                          <a:spcPts val="750"/>
+                        </a:spcAft>
+                      </a:pPr>
+                      <a:r>
+                        <a:rPr lang="en-CA" sz="1400">
+                          <a:effectLst/>
+                        </a:rPr>
+                        <a:t>KNN</a:t>
+                      </a:r>
+                      <a:endParaRPr lang="en-CA" sz="1100">
+                        <a:effectLst/>
+                        <a:latin typeface="Calibri" panose="020F0502020204030204" pitchFamily="34" charset="0"/>
+                        <a:ea typeface="Calibri" panose="020F0502020204030204" pitchFamily="34" charset="0"/>
+                        <a:cs typeface="Arial" panose="020B0604020202020204" pitchFamily="34" charset="0"/>
+                      </a:endParaRPr>
+                    </a:p>
+                  </a:txBody>
+                  <a:tcPr marL="68580" marR="68580" marT="0" marB="0"/>
+                </a:tc>
+                <a:tc>
+                  <a:txBody>
+                    <a:bodyPr/>
+                    <a:lstStyle/>
+                    <a:p>
+                      <a:pPr algn="just">
+                        <a:lnSpc>
+                          <a:spcPct val="150000"/>
+                        </a:lnSpc>
+                        <a:spcAft>
+                          <a:spcPts val="750"/>
+                        </a:spcAft>
+                      </a:pPr>
+                      <a:r>
+                        <a:rPr lang="en-CA" sz="1400">
+                          <a:effectLst/>
+                        </a:rPr>
+                        <a:t>0.895</a:t>
+                      </a:r>
+                      <a:endParaRPr lang="en-CA" sz="1100">
+                        <a:effectLst/>
+                        <a:latin typeface="Calibri" panose="020F0502020204030204" pitchFamily="34" charset="0"/>
+                        <a:ea typeface="Calibri" panose="020F0502020204030204" pitchFamily="34" charset="0"/>
+                        <a:cs typeface="Arial" panose="020B0604020202020204" pitchFamily="34" charset="0"/>
+                      </a:endParaRPr>
+                    </a:p>
+                  </a:txBody>
+                  <a:tcPr marL="68580" marR="68580" marT="0" marB="0"/>
+                </a:tc>
+                <a:extLst>
+                  <a:ext uri="{0D108BD9-81ED-4DB2-BD59-A6C34878D82A}">
+                    <a16:rowId xmlns:a16="http://schemas.microsoft.com/office/drawing/2014/main" val="152142458"/>
+                  </a:ext>
+                </a:extLst>
+              </a:tr>
+              <a:tr h="0">
+                <a:tc>
+                  <a:txBody>
+                    <a:bodyPr/>
+                    <a:lstStyle/>
+                    <a:p>
+                      <a:pPr algn="just">
+                        <a:lnSpc>
+                          <a:spcPct val="150000"/>
+                        </a:lnSpc>
+                        <a:spcAft>
+                          <a:spcPts val="750"/>
+                        </a:spcAft>
+                      </a:pPr>
+                      <a:r>
+                        <a:rPr lang="en-CA" sz="1400">
+                          <a:effectLst/>
+                        </a:rPr>
+                        <a:t>TREE</a:t>
+                      </a:r>
+                      <a:endParaRPr lang="en-CA" sz="1100">
+                        <a:effectLst/>
+                        <a:latin typeface="Calibri" panose="020F0502020204030204" pitchFamily="34" charset="0"/>
+                        <a:ea typeface="Calibri" panose="020F0502020204030204" pitchFamily="34" charset="0"/>
+                        <a:cs typeface="Arial" panose="020B0604020202020204" pitchFamily="34" charset="0"/>
+                      </a:endParaRPr>
+                    </a:p>
+                  </a:txBody>
+                  <a:tcPr marL="68580" marR="68580" marT="0" marB="0"/>
+                </a:tc>
+                <a:tc>
+                  <a:txBody>
+                    <a:bodyPr/>
+                    <a:lstStyle/>
+                    <a:p>
+                      <a:pPr algn="just">
+                        <a:lnSpc>
+                          <a:spcPct val="150000"/>
+                        </a:lnSpc>
+                        <a:spcAft>
+                          <a:spcPts val="750"/>
+                        </a:spcAft>
+                      </a:pPr>
+                      <a:r>
+                        <a:rPr lang="en-CA" sz="1400">
+                          <a:effectLst/>
+                        </a:rPr>
+                        <a:t>0.896</a:t>
+                      </a:r>
+                      <a:endParaRPr lang="en-CA" sz="1100">
+                        <a:effectLst/>
+                        <a:latin typeface="Calibri" panose="020F0502020204030204" pitchFamily="34" charset="0"/>
+                        <a:ea typeface="Calibri" panose="020F0502020204030204" pitchFamily="34" charset="0"/>
+                        <a:cs typeface="Arial" panose="020B0604020202020204" pitchFamily="34" charset="0"/>
+                      </a:endParaRPr>
+                    </a:p>
+                  </a:txBody>
+                  <a:tcPr marL="68580" marR="68580" marT="0" marB="0"/>
+                </a:tc>
+                <a:extLst>
+                  <a:ext uri="{0D108BD9-81ED-4DB2-BD59-A6C34878D82A}">
+                    <a16:rowId xmlns:a16="http://schemas.microsoft.com/office/drawing/2014/main" val="2825846866"/>
+                  </a:ext>
+                </a:extLst>
+              </a:tr>
+              <a:tr h="0">
+                <a:tc>
+                  <a:txBody>
+                    <a:bodyPr/>
+                    <a:lstStyle/>
+                    <a:p>
+                      <a:pPr algn="just">
+                        <a:lnSpc>
+                          <a:spcPct val="150000"/>
+                        </a:lnSpc>
+                        <a:spcAft>
+                          <a:spcPts val="750"/>
+                        </a:spcAft>
+                      </a:pPr>
+                      <a:r>
+                        <a:rPr lang="en-CA" sz="1400">
+                          <a:effectLst/>
+                        </a:rPr>
+                        <a:t>LOGISTIC REGRESSION</a:t>
+                      </a:r>
+                      <a:endParaRPr lang="en-CA" sz="1100">
+                        <a:effectLst/>
+                        <a:latin typeface="Calibri" panose="020F0502020204030204" pitchFamily="34" charset="0"/>
+                        <a:ea typeface="Calibri" panose="020F0502020204030204" pitchFamily="34" charset="0"/>
+                        <a:cs typeface="Arial" panose="020B0604020202020204" pitchFamily="34" charset="0"/>
+                      </a:endParaRPr>
+                    </a:p>
+                  </a:txBody>
+                  <a:tcPr marL="68580" marR="68580" marT="0" marB="0"/>
+                </a:tc>
+                <a:tc>
+                  <a:txBody>
+                    <a:bodyPr/>
+                    <a:lstStyle/>
+                    <a:p>
+                      <a:pPr algn="just">
+                        <a:lnSpc>
+                          <a:spcPct val="150000"/>
+                        </a:lnSpc>
+                        <a:spcAft>
+                          <a:spcPts val="750"/>
+                        </a:spcAft>
+                      </a:pPr>
+                      <a:r>
+                        <a:rPr lang="en-CA" sz="1400">
+                          <a:effectLst/>
+                        </a:rPr>
+                        <a:t>0.896</a:t>
+                      </a:r>
+                      <a:endParaRPr lang="en-CA" sz="1100">
+                        <a:effectLst/>
+                        <a:latin typeface="Calibri" panose="020F0502020204030204" pitchFamily="34" charset="0"/>
+                        <a:ea typeface="Calibri" panose="020F0502020204030204" pitchFamily="34" charset="0"/>
+                        <a:cs typeface="Arial" panose="020B0604020202020204" pitchFamily="34" charset="0"/>
+                      </a:endParaRPr>
+                    </a:p>
+                  </a:txBody>
+                  <a:tcPr marL="68580" marR="68580" marT="0" marB="0"/>
+                </a:tc>
+                <a:extLst>
+                  <a:ext uri="{0D108BD9-81ED-4DB2-BD59-A6C34878D82A}">
+                    <a16:rowId xmlns:a16="http://schemas.microsoft.com/office/drawing/2014/main" val="4176226617"/>
+                  </a:ext>
+                </a:extLst>
+              </a:tr>
+              <a:tr h="0">
+                <a:tc>
+                  <a:txBody>
+                    <a:bodyPr/>
+                    <a:lstStyle/>
+                    <a:p>
+                      <a:pPr algn="just">
+                        <a:lnSpc>
+                          <a:spcPct val="150000"/>
+                        </a:lnSpc>
+                        <a:spcAft>
+                          <a:spcPts val="750"/>
+                        </a:spcAft>
+                      </a:pPr>
+                      <a:r>
+                        <a:rPr lang="en-CA" sz="1400">
+                          <a:effectLst/>
+                        </a:rPr>
+                        <a:t>SVM</a:t>
+                      </a:r>
+                      <a:endParaRPr lang="en-CA" sz="1100">
+                        <a:effectLst/>
+                        <a:latin typeface="Calibri" panose="020F0502020204030204" pitchFamily="34" charset="0"/>
+                        <a:ea typeface="Calibri" panose="020F0502020204030204" pitchFamily="34" charset="0"/>
+                        <a:cs typeface="Arial" panose="020B0604020202020204" pitchFamily="34" charset="0"/>
+                      </a:endParaRPr>
+                    </a:p>
+                  </a:txBody>
+                  <a:tcPr marL="68580" marR="68580" marT="0" marB="0"/>
+                </a:tc>
+                <a:tc>
+                  <a:txBody>
+                    <a:bodyPr/>
+                    <a:lstStyle/>
+                    <a:p>
+                      <a:pPr algn="just">
+                        <a:lnSpc>
+                          <a:spcPct val="150000"/>
+                        </a:lnSpc>
+                        <a:spcAft>
+                          <a:spcPts val="750"/>
+                        </a:spcAft>
+                      </a:pPr>
+                      <a:r>
+                        <a:rPr lang="en-CA" sz="1400" dirty="0">
+                          <a:effectLst/>
+                        </a:rPr>
+                        <a:t>0.84</a:t>
+                      </a:r>
+                      <a:endParaRPr lang="en-CA" sz="1100" dirty="0">
+                        <a:effectLst/>
+                        <a:latin typeface="Calibri" panose="020F0502020204030204" pitchFamily="34" charset="0"/>
+                        <a:ea typeface="Calibri" panose="020F0502020204030204" pitchFamily="34" charset="0"/>
+                        <a:cs typeface="Arial" panose="020B0604020202020204" pitchFamily="34" charset="0"/>
+                      </a:endParaRPr>
+                    </a:p>
+                  </a:txBody>
+                  <a:tcPr marL="68580" marR="68580" marT="0" marB="0"/>
+                </a:tc>
+                <a:extLst>
+                  <a:ext uri="{0D108BD9-81ED-4DB2-BD59-A6C34878D82A}">
+                    <a16:rowId xmlns:a16="http://schemas.microsoft.com/office/drawing/2014/main" val="3622551039"/>
+                  </a:ext>
+                </a:extLst>
+              </a:tr>
+            </a:tbl>
+          </a:graphicData>
+        </a:graphic>
+      </p:graphicFrame>
     </p:spTree>
     <p:extLst>
       <p:ext uri="{BB962C8B-B14F-4D97-AF65-F5344CB8AC3E}">
@@ -4348,12 +4421,17 @@
         </p:nvSpPr>
         <p:spPr/>
         <p:txBody>
-          <a:bodyPr/>
-          <a:lstStyle/>
-          <a:p>
-            <a:r>
-              <a:rPr lang="en-CA" dirty="0"/>
-              <a:t>4.Discussion and Conclusion</a:t>
+          <a:bodyPr>
+            <a:normAutofit/>
+          </a:bodyPr>
+          <a:lstStyle/>
+          <a:p>
+            <a:r>
+              <a:rPr lang="en-CA" sz="1800" b="1" dirty="0">
+                <a:latin typeface="Times New Roman" panose="02020603050405020304" pitchFamily="18" charset="0"/>
+                <a:cs typeface="Times New Roman" panose="02020603050405020304" pitchFamily="18" charset="0"/>
+              </a:rPr>
+              <a:t>Discussion and Conclusion</a:t>
             </a:r>
           </a:p>
         </p:txBody>
@@ -4397,31 +4475,7 @@
                 <a:ea typeface="Times New Roman" panose="02020603050405020304" pitchFamily="18" charset="0"/>
                 <a:cs typeface="Arial" panose="020B0604020202020204" pitchFamily="34" charset="0"/>
               </a:rPr>
-              <a:t>I recommend that another methods as </a:t>
-            </a:r>
-            <a:r>
-              <a:rPr lang="en-CA" sz="1800" dirty="0" err="1">
-                <a:solidFill>
-                  <a:srgbClr val="1F1F1F"/>
-                </a:solidFill>
-                <a:effectLst/>
-                <a:latin typeface="Times New Roman" panose="02020603050405020304" pitchFamily="18" charset="0"/>
-                <a:ea typeface="Times New Roman" panose="02020603050405020304" pitchFamily="18" charset="0"/>
-                <a:cs typeface="Arial" panose="020B0604020202020204" pitchFamily="34" charset="0"/>
-              </a:rPr>
-              <a:t>Forest,Naïve</a:t>
-            </a:r>
-            <a:r>
-              <a:rPr lang="en-CA" sz="1800" dirty="0">
-                <a:solidFill>
-                  <a:srgbClr val="1F1F1F"/>
-                </a:solidFill>
-                <a:effectLst/>
-                <a:latin typeface="Times New Roman" panose="02020603050405020304" pitchFamily="18" charset="0"/>
-                <a:ea typeface="Times New Roman" panose="02020603050405020304" pitchFamily="18" charset="0"/>
-                <a:cs typeface="Arial" panose="020B0604020202020204" pitchFamily="34" charset="0"/>
-              </a:rPr>
-              <a:t> method,… are be considered and their accuracy compared with these methods.</a:t>
+              <a:t>I recommend that another methods as Forest, Naïve method,… are be considered and their accuracy compared with these methods.</a:t>
             </a:r>
             <a:endParaRPr lang="en-CA" sz="1800" dirty="0">
               <a:effectLst/>
